--- a/assets/lectures/cbw-cshl/2019/full/RNASeq_Module4_Lecture.pptx
+++ b/assets/lectures/cbw-cshl/2019/full/RNASeq_Module4_Lecture.pptx
@@ -1014,14 +1014,14 @@
           </a:ln>
           <a:extLst>
             <a:ext uri="{909E8E84-426E-40dd-AFC4-6F175D3DCCD1}">
-              <a14:hiddenFill xmlns:a14="http://schemas.microsoft.com/office/drawing/2010/main" xmlns="">
+              <a14:hiddenFill xmlns="" xmlns:a14="http://schemas.microsoft.com/office/drawing/2010/main">
                 <a:solidFill>
                   <a:srgbClr val="FFFFFF"/>
                 </a:solidFill>
               </a14:hiddenFill>
             </a:ext>
             <a:ext uri="{91240B29-F687-4f45-9708-019B960494DF}">
-              <a14:hiddenLine xmlns:a14="http://schemas.microsoft.com/office/drawing/2010/main" xmlns="" w="9525">
+              <a14:hiddenLine xmlns="" xmlns:a14="http://schemas.microsoft.com/office/drawing/2010/main" w="9525">
                 <a:solidFill>
                   <a:srgbClr val="000000"/>
                 </a:solidFill>
@@ -3305,7 +3305,7 @@
         <p:spPr bwMode="auto">
           <a:xfrm>
             <a:off x="0" y="6430962"/>
-            <a:ext cx="6705600" cy="396875"/>
+            <a:ext cx="6705600" cy="400110"/>
           </a:xfrm>
           <a:prstGeom prst="rect">
             <a:avLst/>
@@ -3316,14 +3316,14 @@
           </a:ln>
           <a:extLst>
             <a:ext uri="{909E8E84-426E-40dd-AFC4-6F175D3DCCD1}">
-              <a14:hiddenFill xmlns:a14="http://schemas.microsoft.com/office/drawing/2010/main" xmlns="">
+              <a14:hiddenFill xmlns="" xmlns:a14="http://schemas.microsoft.com/office/drawing/2010/main">
                 <a:solidFill>
                   <a:srgbClr val="FFFFFF"/>
                 </a:solidFill>
               </a14:hiddenFill>
             </a:ext>
             <a:ext uri="{91240B29-F687-4f45-9708-019B960494DF}">
-              <a14:hiddenLine xmlns:a14="http://schemas.microsoft.com/office/drawing/2010/main" xmlns="" w="9525">
+              <a14:hiddenLine xmlns="" xmlns:a14="http://schemas.microsoft.com/office/drawing/2010/main" w="9525">
                 <a:solidFill>
                   <a:srgbClr val="000000"/>
                 </a:solidFill>
@@ -3458,7 +3458,7 @@
                 <a:latin typeface="Calibri" charset="0"/>
                 <a:cs typeface="Calibri" charset="0"/>
               </a:rPr>
-              <a:t>Module </a:t>
+              <a:t>Module 10 </a:t>
             </a:r>
           </a:p>
         </p:txBody>
@@ -4789,7 +4789,7 @@
                 <a:latin typeface="Calibri" charset="0"/>
                 <a:cs typeface="Segoe UI" charset="0"/>
               </a:rPr>
-              <a:t> Module 4</a:t>
+              <a:t> Module 10</a:t>
             </a:r>
             <a:br>
               <a:rPr lang="en-US" sz="4000" dirty="0">
@@ -4997,14 +4997,14 @@
           </a:ln>
           <a:extLst>
             <a:ext uri="{909E8E84-426E-40dd-AFC4-6F175D3DCCD1}">
-              <a14:hiddenFill xmlns:a14="http://schemas.microsoft.com/office/drawing/2010/main" xmlns="">
+              <a14:hiddenFill xmlns="" xmlns:a14="http://schemas.microsoft.com/office/drawing/2010/main">
                 <a:solidFill>
                   <a:srgbClr val="FFFFFF"/>
                 </a:solidFill>
               </a14:hiddenFill>
             </a:ext>
             <a:ext uri="{91240B29-F687-4f45-9708-019B960494DF}">
-              <a14:hiddenLine xmlns:a14="http://schemas.microsoft.com/office/drawing/2010/main" xmlns="" w="9525">
+              <a14:hiddenLine xmlns="" xmlns:a14="http://schemas.microsoft.com/office/drawing/2010/main" w="9525">
                 <a:solidFill>
                   <a:srgbClr val="000000"/>
                 </a:solidFill>
@@ -5109,7 +5109,7 @@
                 <a:latin typeface="Calibri" panose="020F0502020204030204" pitchFamily="34" charset="0"/>
                 <a:cs typeface="Calibri" panose="020F0502020204030204" pitchFamily="34" charset="0"/>
               </a:rPr>
-              <a:t>Module 1: Introduction to RNA Sequencing</a:t>
+              <a:t>Module 7: Introduction to RNA Sequencing</a:t>
             </a:r>
           </a:p>
           <a:p>
@@ -5121,7 +5121,7 @@
                 <a:latin typeface="Calibri" panose="020F0502020204030204" pitchFamily="34" charset="0"/>
                 <a:cs typeface="Calibri" panose="020F0502020204030204" pitchFamily="34" charset="0"/>
               </a:rPr>
-              <a:t>Module 2: Alignment and Visualization</a:t>
+              <a:t>Module 8: Alignment and Visualization</a:t>
             </a:r>
           </a:p>
           <a:p>
@@ -5133,7 +5133,7 @@
                 <a:latin typeface="Calibri" panose="020F0502020204030204" pitchFamily="34" charset="0"/>
                 <a:cs typeface="Calibri" panose="020F0502020204030204" pitchFamily="34" charset="0"/>
               </a:rPr>
-              <a:t>Module 3: Expression and Differential Expression</a:t>
+              <a:t>Module 9: Expression and Differential Expression</a:t>
             </a:r>
           </a:p>
           <a:p>
@@ -5145,7 +5145,7 @@
                 <a:latin typeface="Calibri" panose="020F0502020204030204" pitchFamily="34" charset="0"/>
                 <a:cs typeface="Calibri" panose="020F0502020204030204" pitchFamily="34" charset="0"/>
               </a:rPr>
-              <a:t>Module 4: Alignment Free Expression Estimation</a:t>
+              <a:t>Module 10: Alignment Free Expression Estimation</a:t>
             </a:r>
           </a:p>
           <a:p>
@@ -5157,7 +5157,7 @@
                 <a:latin typeface="Calibri" panose="020F0502020204030204" pitchFamily="34" charset="0"/>
                 <a:cs typeface="Calibri" panose="020F0502020204030204" pitchFamily="34" charset="0"/>
               </a:rPr>
-              <a:t>Module 5: Isoform Discovery and Alternative Expression</a:t>
+              <a:t>Module 11: Isoform Discovery and Alternative Expression</a:t>
             </a:r>
           </a:p>
           <a:p>
@@ -5329,7 +5329,7 @@
                 <a:latin typeface="Calibri" panose="020F0502020204030204" pitchFamily="34" charset="0"/>
                 <a:cs typeface="Calibri" panose="020F0502020204030204" pitchFamily="34" charset="0"/>
               </a:rPr>
-              <a:t>Learning Objectives of module 4</a:t>
+              <a:t>Learning Objectives of Module 10</a:t>
             </a:r>
           </a:p>
         </p:txBody>
